--- a/es6/ES6.pptx
+++ b/es6/ES6.pptx
@@ -221,7 +221,7 @@
           <a:p>
             <a:fld id="{D2A48B96-639E-45A3-A0BA-2464DFDB1FAA}" type="datetimeFigureOut">
               <a:rPr lang="zh-CN" altLang="en-US" smtClean="0"/>
-              <a:t>18/1/21</a:t>
+              <a:t>18/1/23</a:t>
             </a:fld>
             <a:endParaRPr lang="zh-CN" altLang="en-US"/>
           </a:p>
@@ -2552,7 +2552,7 @@
           <a:p>
             <a:fld id="{82F288E0-7875-42C4-84C8-98DBBD3BF4D2}" type="datetimeFigureOut">
               <a:rPr lang="zh-CN" altLang="en-US" smtClean="0"/>
-              <a:t>18/1/21</a:t>
+              <a:t>18/1/23</a:t>
             </a:fld>
             <a:endParaRPr lang="zh-CN" altLang="en-US"/>
           </a:p>
@@ -2699,7 +2699,7 @@
           <a:p>
             <a:fld id="{82F288E0-7875-42C4-84C8-98DBBD3BF4D2}" type="datetimeFigureOut">
               <a:rPr lang="zh-CN" altLang="en-US" smtClean="0"/>
-              <a:t>18/1/21</a:t>
+              <a:t>18/1/23</a:t>
             </a:fld>
             <a:endParaRPr lang="zh-CN" altLang="en-US"/>
           </a:p>
@@ -2864,7 +2864,7 @@
           <a:p>
             <a:fld id="{82F288E0-7875-42C4-84C8-98DBBD3BF4D2}" type="datetimeFigureOut">
               <a:rPr lang="zh-CN" altLang="en-US" smtClean="0"/>
-              <a:t>18/1/21</a:t>
+              <a:t>18/1/23</a:t>
             </a:fld>
             <a:endParaRPr lang="zh-CN" altLang="en-US"/>
           </a:p>
@@ -3105,7 +3105,7 @@
           <a:p>
             <a:fld id="{82F288E0-7875-42C4-84C8-98DBBD3BF4D2}" type="datetimeFigureOut">
               <a:rPr lang="zh-CN" altLang="en-US" smtClean="0"/>
-              <a:t>18/1/21</a:t>
+              <a:t>18/1/23</a:t>
             </a:fld>
             <a:endParaRPr lang="zh-CN" altLang="en-US"/>
           </a:p>
@@ -3332,7 +3332,7 @@
           <a:p>
             <a:fld id="{82F288E0-7875-42C4-84C8-98DBBD3BF4D2}" type="datetimeFigureOut">
               <a:rPr lang="zh-CN" altLang="en-US" smtClean="0"/>
-              <a:t>18/1/21</a:t>
+              <a:t>18/1/23</a:t>
             </a:fld>
             <a:endParaRPr lang="zh-CN" altLang="en-US"/>
           </a:p>
@@ -3694,7 +3694,7 @@
           <a:p>
             <a:fld id="{82F288E0-7875-42C4-84C8-98DBBD3BF4D2}" type="datetimeFigureOut">
               <a:rPr lang="zh-CN" altLang="en-US" smtClean="0"/>
-              <a:t>18/1/21</a:t>
+              <a:t>18/1/23</a:t>
             </a:fld>
             <a:endParaRPr lang="zh-CN" altLang="en-US"/>
           </a:p>
@@ -3807,7 +3807,7 @@
           <a:p>
             <a:fld id="{82F288E0-7875-42C4-84C8-98DBBD3BF4D2}" type="datetimeFigureOut">
               <a:rPr lang="zh-CN" altLang="en-US" smtClean="0"/>
-              <a:t>18/1/21</a:t>
+              <a:t>18/1/23</a:t>
             </a:fld>
             <a:endParaRPr lang="zh-CN" altLang="en-US"/>
           </a:p>
@@ -3897,7 +3897,7 @@
           <a:p>
             <a:fld id="{82F288E0-7875-42C4-84C8-98DBBD3BF4D2}" type="datetimeFigureOut">
               <a:rPr lang="zh-CN" altLang="en-US" smtClean="0"/>
-              <a:t>18/1/21</a:t>
+              <a:t>18/1/23</a:t>
             </a:fld>
             <a:endParaRPr lang="zh-CN" altLang="en-US"/>
           </a:p>
@@ -4145,7 +4145,7 @@
           <a:p>
             <a:fld id="{82F288E0-7875-42C4-84C8-98DBBD3BF4D2}" type="datetimeFigureOut">
               <a:rPr lang="zh-CN" altLang="en-US" smtClean="0"/>
-              <a:t>18/1/21</a:t>
+              <a:t>18/1/23</a:t>
             </a:fld>
             <a:endParaRPr lang="zh-CN" altLang="en-US"/>
           </a:p>
@@ -4320,7 +4320,7 @@
           <a:p>
             <a:fld id="{82F288E0-7875-42C4-84C8-98DBBD3BF4D2}" type="datetimeFigureOut">
               <a:rPr lang="zh-CN" altLang="en-US" smtClean="0"/>
-              <a:t>18/1/21</a:t>
+              <a:t>18/1/23</a:t>
             </a:fld>
             <a:endParaRPr lang="zh-CN" altLang="en-US"/>
           </a:p>
@@ -4528,7 +4528,7 @@
           <a:p>
             <a:fld id="{82F288E0-7875-42C4-84C8-98DBBD3BF4D2}" type="datetimeFigureOut">
               <a:rPr lang="zh-CN" altLang="en-US" smtClean="0"/>
-              <a:t>18/1/21</a:t>
+              <a:t>18/1/23</a:t>
             </a:fld>
             <a:endParaRPr lang="zh-CN" altLang="en-US"/>
           </a:p>
@@ -6233,7 +6233,6 @@
               <a:rPr lang="zh-CN" altLang="en-US" sz="3200" b="1" dirty="0" smtClean="0"/>
               <a:t>循环</a:t>
             </a:r>
-            <a:endParaRPr lang="zh-CN" altLang="en-US" sz="3200" b="1" dirty="0" smtClean="0"/>
           </a:p>
           <a:p>
             <a:pPr marL="342900" indent="-342900">
@@ -6253,20 +6252,20 @@
               <a:t>，</a:t>
             </a:r>
             <a:r>
-              <a:rPr lang="en-US" altLang="zh-CN" sz="3200" b="1" dirty="0"/>
-              <a:t>keys()</a:t>
+              <a:rPr lang="en-US" altLang="zh-CN" sz="3200" b="1"/>
+              <a:t>keys</a:t>
+            </a:r>
+            <a:r>
+              <a:rPr lang="en-US" altLang="zh-CN" sz="3200" b="1" smtClean="0"/>
+              <a:t>()</a:t>
+            </a:r>
+            <a:r>
+              <a:rPr lang="zh-CN" altLang="en-US" sz="3200" b="1" smtClean="0"/>
+              <a:t>用于</a:t>
             </a:r>
             <a:r>
               <a:rPr lang="zh-CN" altLang="en-US" sz="3200" b="1" dirty="0"/>
-              <a:t>和</a:t>
-            </a:r>
-            <a:r>
-              <a:rPr lang="en-US" altLang="zh-CN" sz="3200" b="1" dirty="0"/>
-              <a:t>values()——</a:t>
-            </a:r>
-            <a:r>
-              <a:rPr lang="zh-CN" altLang="en-US" sz="3200" b="1" dirty="0"/>
-              <a:t>用于遍历</a:t>
+              <a:t>遍历</a:t>
             </a:r>
             <a:r>
               <a:rPr lang="zh-CN" altLang="en-US" sz="3200" b="1" dirty="0" smtClean="0"/>
@@ -6281,11 +6280,7 @@
             </a:pPr>
             <a:r>
               <a:rPr lang="zh-CN" altLang="en-US" sz="3200" b="1" dirty="0" smtClean="0"/>
-              <a:t>数组</a:t>
-            </a:r>
-            <a:r>
-              <a:rPr lang="zh-CN" altLang="en-US" sz="3200" b="1" dirty="0" smtClean="0"/>
-              <a:t>遍历：</a:t>
+              <a:t>数组遍历：</a:t>
             </a:r>
             <a:endParaRPr lang="en-US" altLang="zh-CN" sz="3200" b="1" dirty="0" smtClean="0"/>
           </a:p>
@@ -6561,11 +6556,7 @@
             </a:pPr>
             <a:r>
               <a:rPr lang="zh-CN" altLang="en-US" sz="2800" b="1" dirty="0" smtClean="0"/>
-              <a:t>属性</a:t>
-            </a:r>
-            <a:r>
-              <a:rPr lang="zh-CN" altLang="en-US" sz="2800" b="1" dirty="0" smtClean="0"/>
-              <a:t>简洁表示法     包括属性和方法  </a:t>
+              <a:t>属性简洁表示法     包括属性和方法  </a:t>
             </a:r>
             <a:endParaRPr lang="en-US" altLang="zh-CN" sz="2800" b="1" dirty="0" smtClean="0"/>
           </a:p>
@@ -6694,11 +6685,7 @@
             </a:r>
             <a:r>
               <a:rPr lang="zh-CN" altLang="en-US" sz="2800" b="1" dirty="0" smtClean="0"/>
-              <a:t>对象。</a:t>
-            </a:r>
-            <a:r>
-              <a:rPr lang="zh-CN" altLang="en-US" sz="2800" b="1" dirty="0" smtClean="0"/>
-              <a:t>浅拷贝</a:t>
+              <a:t>对象。浅拷贝</a:t>
             </a:r>
           </a:p>
           <a:p>
@@ -6738,7 +6725,6 @@
               <a:rPr lang="en-US" altLang="zh-CN" sz="2800" b="1" dirty="0" smtClean="0"/>
               <a:t>();</a:t>
             </a:r>
-            <a:endParaRPr lang="en-US" altLang="zh-CN" sz="2800" b="1" dirty="0" smtClean="0"/>
           </a:p>
           <a:p>
             <a:pPr marL="342900" indent="-342900">
@@ -8442,11 +8428,7 @@
             </a:pPr>
             <a:r>
               <a:rPr lang="en-US" altLang="zh-CN" sz="3200" b="1" dirty="0" smtClean="0"/>
-              <a:t>Ajax</a:t>
-            </a:r>
-            <a:r>
-              <a:rPr lang="en-US" altLang="zh-CN" sz="3200" b="1" dirty="0" smtClean="0"/>
-              <a:t>: Asynchronous </a:t>
+              <a:t>Ajax: Asynchronous </a:t>
             </a:r>
             <a:r>
               <a:rPr lang="en-US" altLang="zh-CN" sz="3200" b="1" dirty="0" err="1"/>
@@ -12859,11 +12841,7 @@
             </a:pPr>
             <a:r>
               <a:rPr lang="zh-CN" altLang="en-US" sz="3600" b="1" dirty="0" smtClean="0"/>
-              <a:t>作为</a:t>
-            </a:r>
-            <a:r>
-              <a:rPr lang="zh-CN" altLang="en-US" sz="3600" b="1" dirty="0" smtClean="0"/>
-              <a:t>数组一部分</a:t>
+              <a:t>作为数组一部分</a:t>
             </a:r>
             <a:endParaRPr lang="zh-CN" altLang="en-US" sz="3600" b="1" dirty="0"/>
           </a:p>
@@ -12907,11 +12885,7 @@
             </a:pPr>
             <a:r>
               <a:rPr lang="zh-CN" altLang="en-US" sz="3600" b="1" dirty="0" smtClean="0"/>
-              <a:t>类数组转化成数组、</a:t>
-            </a:r>
-            <a:r>
-              <a:rPr lang="zh-CN" altLang="en-US" sz="3600" b="1" dirty="0" smtClean="0"/>
-              <a:t>解构</a:t>
+              <a:t>类数组转化成数组、解构</a:t>
             </a:r>
             <a:endParaRPr lang="en-US" altLang="zh-CN" sz="3600" b="1" dirty="0" smtClean="0"/>
           </a:p>
@@ -12927,7 +12901,6 @@
               <a:rPr lang="en-US" altLang="zh-CN" sz="3600" b="1" dirty="0" smtClean="0"/>
               <a:t>rest</a:t>
             </a:r>
-            <a:endParaRPr lang="en-US" altLang="zh-CN" sz="3600" b="1" dirty="0" smtClean="0"/>
           </a:p>
           <a:p>
             <a:pPr marL="342900" indent="-342900">
@@ -13462,11 +13435,7 @@
             </a:pPr>
             <a:r>
               <a:rPr lang="zh-CN" altLang="en-US" sz="3600" b="1" i="1" dirty="0" smtClean="0"/>
-              <a:t>是否</a:t>
-            </a:r>
-            <a:r>
-              <a:rPr lang="zh-CN" altLang="en-US" sz="3600" b="1" i="1" dirty="0" smtClean="0"/>
-              <a:t>为数字：</a:t>
+              <a:t>是否为数字：</a:t>
             </a:r>
             <a:r>
               <a:rPr lang="en-US" altLang="zh-CN" sz="3600" b="1" i="1" dirty="0" err="1" smtClean="0"/>
@@ -13576,11 +13545,7 @@
           <a:p>
             <a:r>
               <a:rPr lang="zh-CN" altLang="en-US" sz="2800" b="1" dirty="0" smtClean="0"/>
-              <a:t>一些</a:t>
-            </a:r>
-            <a:r>
-              <a:rPr lang="zh-CN" altLang="en-US" sz="2800" b="1" dirty="0" smtClean="0"/>
-              <a:t>方法移植</a:t>
+              <a:t>一些方法移植</a:t>
             </a:r>
             <a:r>
               <a:rPr lang="zh-CN" altLang="en-US" sz="2800" b="1" dirty="0"/>

--- a/es6/ES6.pptx
+++ b/es6/ES6.pptx
@@ -6252,15 +6252,15 @@
               <a:t>，</a:t>
             </a:r>
             <a:r>
-              <a:rPr lang="en-US" altLang="zh-CN" sz="3200" b="1"/>
+              <a:rPr lang="en-US" altLang="zh-CN" sz="3200" b="1" dirty="0"/>
               <a:t>keys</a:t>
             </a:r>
             <a:r>
-              <a:rPr lang="en-US" altLang="zh-CN" sz="3200" b="1" smtClean="0"/>
+              <a:rPr lang="en-US" altLang="zh-CN" sz="3200" b="1" dirty="0" smtClean="0"/>
               <a:t>()</a:t>
             </a:r>
             <a:r>
-              <a:rPr lang="zh-CN" altLang="en-US" sz="3200" b="1" smtClean="0"/>
+              <a:rPr lang="zh-CN" altLang="en-US" sz="3200" b="1" dirty="0" smtClean="0"/>
               <a:t>用于</a:t>
             </a:r>
             <a:r>
@@ -6707,7 +6707,7 @@
             </a:r>
             <a:r>
               <a:rPr lang="en-US" altLang="zh-CN" sz="2800" b="1" dirty="0" err="1" smtClean="0"/>
-              <a:t>Object.Values</a:t>
+              <a:t>Object.values</a:t>
             </a:r>
             <a:r>
               <a:rPr lang="en-US" altLang="zh-CN" sz="2800" b="1" dirty="0" smtClean="0"/>
@@ -7437,8 +7437,13 @@
             </a:r>
             <a:r>
               <a:rPr lang="en-US" altLang="zh-CN" sz="2800" b="1" dirty="0" smtClean="0"/>
-              <a:t>.size()</a:t>
-            </a:r>
+              <a:t>.</a:t>
+            </a:r>
+            <a:r>
+              <a:rPr lang="en-US" altLang="zh-CN" sz="2800" b="1" dirty="0" smtClean="0"/>
+              <a:t>size</a:t>
+            </a:r>
+            <a:endParaRPr lang="en-US" altLang="zh-CN" sz="2800" b="1" dirty="0" smtClean="0"/>
           </a:p>
           <a:p>
             <a:pPr marL="342900" indent="-342900">

--- a/es6/ES6.pptx
+++ b/es6/ES6.pptx
@@ -221,7 +221,7 @@
           <a:p>
             <a:fld id="{D2A48B96-639E-45A3-A0BA-2464DFDB1FAA}" type="datetimeFigureOut">
               <a:rPr lang="zh-CN" altLang="en-US" smtClean="0"/>
-              <a:t>18/1/23</a:t>
+              <a:t>18/1/24</a:t>
             </a:fld>
             <a:endParaRPr lang="zh-CN" altLang="en-US"/>
           </a:p>
@@ -2552,7 +2552,7 @@
           <a:p>
             <a:fld id="{82F288E0-7875-42C4-84C8-98DBBD3BF4D2}" type="datetimeFigureOut">
               <a:rPr lang="zh-CN" altLang="en-US" smtClean="0"/>
-              <a:t>18/1/23</a:t>
+              <a:t>18/1/24</a:t>
             </a:fld>
             <a:endParaRPr lang="zh-CN" altLang="en-US"/>
           </a:p>
@@ -2699,7 +2699,7 @@
           <a:p>
             <a:fld id="{82F288E0-7875-42C4-84C8-98DBBD3BF4D2}" type="datetimeFigureOut">
               <a:rPr lang="zh-CN" altLang="en-US" smtClean="0"/>
-              <a:t>18/1/23</a:t>
+              <a:t>18/1/24</a:t>
             </a:fld>
             <a:endParaRPr lang="zh-CN" altLang="en-US"/>
           </a:p>
@@ -2864,7 +2864,7 @@
           <a:p>
             <a:fld id="{82F288E0-7875-42C4-84C8-98DBBD3BF4D2}" type="datetimeFigureOut">
               <a:rPr lang="zh-CN" altLang="en-US" smtClean="0"/>
-              <a:t>18/1/23</a:t>
+              <a:t>18/1/24</a:t>
             </a:fld>
             <a:endParaRPr lang="zh-CN" altLang="en-US"/>
           </a:p>
@@ -3105,7 +3105,7 @@
           <a:p>
             <a:fld id="{82F288E0-7875-42C4-84C8-98DBBD3BF4D2}" type="datetimeFigureOut">
               <a:rPr lang="zh-CN" altLang="en-US" smtClean="0"/>
-              <a:t>18/1/23</a:t>
+              <a:t>18/1/24</a:t>
             </a:fld>
             <a:endParaRPr lang="zh-CN" altLang="en-US"/>
           </a:p>
@@ -3332,7 +3332,7 @@
           <a:p>
             <a:fld id="{82F288E0-7875-42C4-84C8-98DBBD3BF4D2}" type="datetimeFigureOut">
               <a:rPr lang="zh-CN" altLang="en-US" smtClean="0"/>
-              <a:t>18/1/23</a:t>
+              <a:t>18/1/24</a:t>
             </a:fld>
             <a:endParaRPr lang="zh-CN" altLang="en-US"/>
           </a:p>
@@ -3694,7 +3694,7 @@
           <a:p>
             <a:fld id="{82F288E0-7875-42C4-84C8-98DBBD3BF4D2}" type="datetimeFigureOut">
               <a:rPr lang="zh-CN" altLang="en-US" smtClean="0"/>
-              <a:t>18/1/23</a:t>
+              <a:t>18/1/24</a:t>
             </a:fld>
             <a:endParaRPr lang="zh-CN" altLang="en-US"/>
           </a:p>
@@ -3807,7 +3807,7 @@
           <a:p>
             <a:fld id="{82F288E0-7875-42C4-84C8-98DBBD3BF4D2}" type="datetimeFigureOut">
               <a:rPr lang="zh-CN" altLang="en-US" smtClean="0"/>
-              <a:t>18/1/23</a:t>
+              <a:t>18/1/24</a:t>
             </a:fld>
             <a:endParaRPr lang="zh-CN" altLang="en-US"/>
           </a:p>
@@ -3897,7 +3897,7 @@
           <a:p>
             <a:fld id="{82F288E0-7875-42C4-84C8-98DBBD3BF4D2}" type="datetimeFigureOut">
               <a:rPr lang="zh-CN" altLang="en-US" smtClean="0"/>
-              <a:t>18/1/23</a:t>
+              <a:t>18/1/24</a:t>
             </a:fld>
             <a:endParaRPr lang="zh-CN" altLang="en-US"/>
           </a:p>
@@ -4145,7 +4145,7 @@
           <a:p>
             <a:fld id="{82F288E0-7875-42C4-84C8-98DBBD3BF4D2}" type="datetimeFigureOut">
               <a:rPr lang="zh-CN" altLang="en-US" smtClean="0"/>
-              <a:t>18/1/23</a:t>
+              <a:t>18/1/24</a:t>
             </a:fld>
             <a:endParaRPr lang="zh-CN" altLang="en-US"/>
           </a:p>
@@ -4320,7 +4320,7 @@
           <a:p>
             <a:fld id="{82F288E0-7875-42C4-84C8-98DBBD3BF4D2}" type="datetimeFigureOut">
               <a:rPr lang="zh-CN" altLang="en-US" smtClean="0"/>
-              <a:t>18/1/23</a:t>
+              <a:t>18/1/24</a:t>
             </a:fld>
             <a:endParaRPr lang="zh-CN" altLang="en-US"/>
           </a:p>
@@ -4528,7 +4528,7 @@
           <a:p>
             <a:fld id="{82F288E0-7875-42C4-84C8-98DBBD3BF4D2}" type="datetimeFigureOut">
               <a:rPr lang="zh-CN" altLang="en-US" smtClean="0"/>
-              <a:t>18/1/23</a:t>
+              <a:t>18/1/24</a:t>
             </a:fld>
             <a:endParaRPr lang="zh-CN" altLang="en-US"/>
           </a:p>
@@ -7437,13 +7437,8 @@
             </a:r>
             <a:r>
               <a:rPr lang="en-US" altLang="zh-CN" sz="2800" b="1" dirty="0" smtClean="0"/>
-              <a:t>.</a:t>
-            </a:r>
-            <a:r>
-              <a:rPr lang="en-US" altLang="zh-CN" sz="2800" b="1" dirty="0" smtClean="0"/>
-              <a:t>size</a:t>
-            </a:r>
-            <a:endParaRPr lang="en-US" altLang="zh-CN" sz="2800" b="1" dirty="0" smtClean="0"/>
+              <a:t>.size</a:t>
+            </a:r>
           </a:p>
           <a:p>
             <a:pPr marL="342900" indent="-342900">
@@ -9838,7 +9833,11 @@
             </a:r>
             <a:r>
               <a:rPr lang="en-US" altLang="zh-CN" sz="2800" b="1" dirty="0" smtClean="0"/>
-              <a:t> -y</a:t>
+              <a:t> </a:t>
+            </a:r>
+            <a:r>
+              <a:rPr lang="en-US" altLang="zh-CN" sz="2800" b="1" dirty="0" smtClean="0"/>
+              <a:t>-y</a:t>
             </a:r>
           </a:p>
           <a:p>
@@ -9856,11 +9855,11 @@
             </a:r>
             <a:r>
               <a:rPr lang="en-US" altLang="zh-CN" sz="2800" b="1" dirty="0" smtClean="0"/>
-              <a:t> install </a:t>
-            </a:r>
-            <a:r>
-              <a:rPr lang="en-US" altLang="zh-CN" sz="2800" b="1" dirty="0"/>
-              <a:t>-</a:t>
+              <a:t> </a:t>
+            </a:r>
+            <a:r>
+              <a:rPr lang="en-US" altLang="zh-CN" sz="2800" b="1" dirty="0" smtClean="0"/>
+              <a:t>install -</a:t>
             </a:r>
             <a:r>
               <a:rPr lang="en-US" altLang="zh-CN" sz="2800" b="1" dirty="0" smtClean="0"/>
@@ -10427,8 +10426,45 @@
             </a:r>
             <a:r>
               <a:rPr lang="en-US" altLang="zh-CN" sz="2800" b="1" dirty="0" smtClean="0"/>
-              <a:t>g live-server</a:t>
-            </a:r>
+              <a:t>g </a:t>
+            </a:r>
+            <a:r>
+              <a:rPr lang="en-US" altLang="zh-CN" sz="2800" b="1" dirty="0" smtClean="0"/>
+              <a:t>live-server</a:t>
+            </a:r>
+            <a:r>
+              <a:rPr lang="zh-CN" altLang="en-US" sz="2800" b="1" dirty="0" smtClean="0"/>
+              <a:t>  </a:t>
+            </a:r>
+            <a:r>
+              <a:rPr lang="en-US" altLang="zh-CN" sz="2800" b="1" dirty="0" smtClean="0"/>
+              <a:t>(mac</a:t>
+            </a:r>
+            <a:r>
+              <a:rPr lang="zh-CN" altLang="en-US" sz="2800" b="1" smtClean="0"/>
+              <a:t> </a:t>
+            </a:r>
+            <a:r>
+              <a:rPr lang="zh-CN" altLang="en-US" sz="2800" b="1"/>
+              <a:t> </a:t>
+            </a:r>
+            <a:r>
+              <a:rPr lang="zh-CN" altLang="en-US" sz="2800" b="1" smtClean="0"/>
+              <a:t>  </a:t>
+            </a:r>
+            <a:r>
+              <a:rPr lang="en-US" altLang="zh-CN" sz="2800" b="1" smtClean="0"/>
+              <a:t>sudo</a:t>
+            </a:r>
+            <a:r>
+              <a:rPr lang="zh-CN" altLang="en-US" sz="2800" b="1" dirty="0" smtClean="0"/>
+              <a:t> </a:t>
+            </a:r>
+            <a:r>
+              <a:rPr lang="en-US" altLang="zh-CN" sz="2800" b="1" dirty="0" smtClean="0"/>
+              <a:t>)</a:t>
+            </a:r>
+            <a:endParaRPr lang="en-US" altLang="zh-CN" sz="2800" b="1" dirty="0" smtClean="0"/>
           </a:p>
           <a:p>
             <a:pPr marL="457200" indent="-457200">
